--- a/subject-presentation/subject(PPT).pptx
+++ b/subject-presentation/subject(PPT).pptx
@@ -21,15 +21,15 @@
   <p:notesSz cx="6858000" cy="9144000"/>
   <p:embeddedFontLst>
     <p:embeddedFont>
-      <p:font typeface="배달의민족 주아" panose="02020603020101020101" pitchFamily="18" charset="-127"/>
+      <p:font typeface="Patrick Hand SC" panose="020B0600000101010101" charset="0"/>
       <p:regular r:id="rId11"/>
     </p:embeddedFont>
     <p:embeddedFont>
-      <p:font typeface="Patrick Hand SC" panose="020B0600000101010101" charset="0"/>
+      <p:font typeface="Sniglet" panose="020B0600000101010101" charset="0"/>
       <p:regular r:id="rId12"/>
     </p:embeddedFont>
     <p:embeddedFont>
-      <p:font typeface="Sniglet" panose="020B0600000101010101" charset="0"/>
+      <p:font typeface="배달의민족 주아" panose="02020603020101020101" pitchFamily="18" charset="-127"/>
       <p:regular r:id="rId13"/>
     </p:embeddedFont>
   </p:embeddedFontLst>
@@ -262,6 +262,11 @@
       </a:defRPr>
     </a:lvl9pPr>
   </p:defaultTextStyle>
+  <p:extLst>
+    <p:ext uri="{EFAFB233-063F-42B5-8137-9DF3F51BA10A}">
+      <p15:sldGuideLst xmlns:p15="http://schemas.microsoft.com/office/powerpoint/2012/main"/>
+    </p:ext>
+  </p:extLst>
 </p:presentation>
 </file>
 
@@ -7493,6 +7498,9 @@
             </a:pPr>
             <a:r>
               <a:rPr lang="en-US" sz="1500" dirty="0" err="1">
+                <a:solidFill>
+                  <a:schemeClr val="tx1"/>
+                </a:solidFill>
                 <a:latin typeface="배달의민족 주아" panose="02020603020101020101" pitchFamily="18" charset="-127"/>
                 <a:ea typeface="배달의민족 주아" panose="02020603020101020101" pitchFamily="18" charset="-127"/>
               </a:rPr>
@@ -7500,6 +7508,9 @@
             </a:r>
             <a:r>
               <a:rPr lang="en-US" sz="1500" dirty="0">
+                <a:solidFill>
+                  <a:schemeClr val="tx1"/>
+                </a:solidFill>
                 <a:latin typeface="배달의민족 주아" panose="02020603020101020101" pitchFamily="18" charset="-127"/>
                 <a:ea typeface="배달의민족 주아" panose="02020603020101020101" pitchFamily="18" charset="-127"/>
               </a:rPr>
@@ -7950,7 +7961,7 @@
                 <a:latin typeface="배달의민족 주아" panose="02020603020101020101" pitchFamily="18" charset="-127"/>
                 <a:ea typeface="배달의민족 주아" panose="02020603020101020101" pitchFamily="18" charset="-127"/>
               </a:rPr>
-              <a:t>kwh56184</a:t>
+              <a:t>khw56184</a:t>
             </a:r>
             <a:r>
               <a:rPr lang="en-US" sz="1500" dirty="0">
@@ -7974,6 +7985,9 @@
             </a:pPr>
             <a:r>
               <a:rPr lang="en-US" sz="1500" dirty="0" err="1">
+                <a:solidFill>
+                  <a:schemeClr val="tx1"/>
+                </a:solidFill>
                 <a:latin typeface="배달의민족 주아" panose="02020603020101020101" pitchFamily="18" charset="-127"/>
                 <a:ea typeface="배달의민족 주아" panose="02020603020101020101" pitchFamily="18" charset="-127"/>
               </a:rPr>
@@ -7981,6 +7995,9 @@
             </a:r>
             <a:r>
               <a:rPr lang="en-US" sz="1500" dirty="0">
+                <a:solidFill>
+                  <a:schemeClr val="tx1"/>
+                </a:solidFill>
                 <a:latin typeface="배달의민족 주아" panose="02020603020101020101" pitchFamily="18" charset="-127"/>
                 <a:ea typeface="배달의민족 주아" panose="02020603020101020101" pitchFamily="18" charset="-127"/>
               </a:rPr>
